--- a/daniel/fll 2015 presintion.pptx
+++ b/daniel/fll 2015 presintion.pptx
@@ -5,9 +5,10 @@
     <p:sldMasterId id="2147483648" r:id="rId1"/>
   </p:sldMasterIdLst>
   <p:sldIdLst>
-    <p:sldId id="256" r:id="rId2"/>
-    <p:sldId id="257" r:id="rId3"/>
+    <p:sldId id="257" r:id="rId2"/>
+    <p:sldId id="256" r:id="rId3"/>
     <p:sldId id="258" r:id="rId4"/>
+    <p:sldId id="259" r:id="rId5"/>
   </p:sldIdLst>
   <p:sldSz cx="12192000" cy="6858000"/>
   <p:notesSz cx="6858000" cy="9144000"/>
@@ -240,9 +241,9 @@
           <a:p>
             <a:fld id="{5A5E66E2-03CE-472E-AF84-2AAB41130A55}" type="datetimeFigureOut">
               <a:rPr lang="en-US" smtClean="0"/>
-              <a:t>11/13/2015</a:t>
+              <a:t>11/23/2015</a:t>
             </a:fld>
-            <a:endParaRPr lang="en-US"/>
+            <a:endParaRPr lang="en-US" dirty="0"/>
           </a:p>
         </p:txBody>
       </p:sp>
@@ -261,7 +262,7 @@
           <a:bodyPr/>
           <a:lstStyle/>
           <a:p>
-            <a:endParaRPr lang="en-US"/>
+            <a:endParaRPr lang="en-US" dirty="0"/>
           </a:p>
         </p:txBody>
       </p:sp>
@@ -284,7 +285,7 @@
               <a:rPr lang="en-US" smtClean="0"/>
               <a:t>‹#›</a:t>
             </a:fld>
-            <a:endParaRPr lang="en-US"/>
+            <a:endParaRPr lang="en-US" dirty="0"/>
           </a:p>
         </p:txBody>
       </p:sp>
@@ -410,9 +411,9 @@
           <a:p>
             <a:fld id="{5A5E66E2-03CE-472E-AF84-2AAB41130A55}" type="datetimeFigureOut">
               <a:rPr lang="en-US" smtClean="0"/>
-              <a:t>11/13/2015</a:t>
+              <a:t>11/23/2015</a:t>
             </a:fld>
-            <a:endParaRPr lang="en-US"/>
+            <a:endParaRPr lang="en-US" dirty="0"/>
           </a:p>
         </p:txBody>
       </p:sp>
@@ -431,7 +432,7 @@
           <a:bodyPr/>
           <a:lstStyle/>
           <a:p>
-            <a:endParaRPr lang="en-US"/>
+            <a:endParaRPr lang="en-US" dirty="0"/>
           </a:p>
         </p:txBody>
       </p:sp>
@@ -454,7 +455,7 @@
               <a:rPr lang="en-US" smtClean="0"/>
               <a:t>‹#›</a:t>
             </a:fld>
-            <a:endParaRPr lang="en-US"/>
+            <a:endParaRPr lang="en-US" dirty="0"/>
           </a:p>
         </p:txBody>
       </p:sp>
@@ -590,9 +591,9 @@
           <a:p>
             <a:fld id="{5A5E66E2-03CE-472E-AF84-2AAB41130A55}" type="datetimeFigureOut">
               <a:rPr lang="en-US" smtClean="0"/>
-              <a:t>11/13/2015</a:t>
+              <a:t>11/23/2015</a:t>
             </a:fld>
-            <a:endParaRPr lang="en-US"/>
+            <a:endParaRPr lang="en-US" dirty="0"/>
           </a:p>
         </p:txBody>
       </p:sp>
@@ -611,7 +612,7 @@
           <a:bodyPr/>
           <a:lstStyle/>
           <a:p>
-            <a:endParaRPr lang="en-US"/>
+            <a:endParaRPr lang="en-US" dirty="0"/>
           </a:p>
         </p:txBody>
       </p:sp>
@@ -634,7 +635,7 @@
               <a:rPr lang="en-US" smtClean="0"/>
               <a:t>‹#›</a:t>
             </a:fld>
-            <a:endParaRPr lang="en-US"/>
+            <a:endParaRPr lang="en-US" dirty="0"/>
           </a:p>
         </p:txBody>
       </p:sp>
@@ -760,9 +761,9 @@
           <a:p>
             <a:fld id="{5A5E66E2-03CE-472E-AF84-2AAB41130A55}" type="datetimeFigureOut">
               <a:rPr lang="en-US" smtClean="0"/>
-              <a:t>11/13/2015</a:t>
+              <a:t>11/23/2015</a:t>
             </a:fld>
-            <a:endParaRPr lang="en-US"/>
+            <a:endParaRPr lang="en-US" dirty="0"/>
           </a:p>
         </p:txBody>
       </p:sp>
@@ -781,7 +782,7 @@
           <a:bodyPr/>
           <a:lstStyle/>
           <a:p>
-            <a:endParaRPr lang="en-US"/>
+            <a:endParaRPr lang="en-US" dirty="0"/>
           </a:p>
         </p:txBody>
       </p:sp>
@@ -804,7 +805,7 @@
               <a:rPr lang="en-US" smtClean="0"/>
               <a:t>‹#›</a:t>
             </a:fld>
-            <a:endParaRPr lang="en-US"/>
+            <a:endParaRPr lang="en-US" dirty="0"/>
           </a:p>
         </p:txBody>
       </p:sp>
@@ -1006,9 +1007,9 @@
           <a:p>
             <a:fld id="{5A5E66E2-03CE-472E-AF84-2AAB41130A55}" type="datetimeFigureOut">
               <a:rPr lang="en-US" smtClean="0"/>
-              <a:t>11/13/2015</a:t>
+              <a:t>11/23/2015</a:t>
             </a:fld>
-            <a:endParaRPr lang="en-US"/>
+            <a:endParaRPr lang="en-US" dirty="0"/>
           </a:p>
         </p:txBody>
       </p:sp>
@@ -1027,7 +1028,7 @@
           <a:bodyPr/>
           <a:lstStyle/>
           <a:p>
-            <a:endParaRPr lang="en-US"/>
+            <a:endParaRPr lang="en-US" dirty="0"/>
           </a:p>
         </p:txBody>
       </p:sp>
@@ -1050,7 +1051,7 @@
               <a:rPr lang="en-US" smtClean="0"/>
               <a:t>‹#›</a:t>
             </a:fld>
-            <a:endParaRPr lang="en-US"/>
+            <a:endParaRPr lang="en-US" dirty="0"/>
           </a:p>
         </p:txBody>
       </p:sp>
@@ -1238,9 +1239,9 @@
           <a:p>
             <a:fld id="{5A5E66E2-03CE-472E-AF84-2AAB41130A55}" type="datetimeFigureOut">
               <a:rPr lang="en-US" smtClean="0"/>
-              <a:t>11/13/2015</a:t>
+              <a:t>11/23/2015</a:t>
             </a:fld>
-            <a:endParaRPr lang="en-US"/>
+            <a:endParaRPr lang="en-US" dirty="0"/>
           </a:p>
         </p:txBody>
       </p:sp>
@@ -1259,7 +1260,7 @@
           <a:bodyPr/>
           <a:lstStyle/>
           <a:p>
-            <a:endParaRPr lang="en-US"/>
+            <a:endParaRPr lang="en-US" dirty="0"/>
           </a:p>
         </p:txBody>
       </p:sp>
@@ -1282,7 +1283,7 @@
               <a:rPr lang="en-US" smtClean="0"/>
               <a:t>‹#›</a:t>
             </a:fld>
-            <a:endParaRPr lang="en-US"/>
+            <a:endParaRPr lang="en-US" dirty="0"/>
           </a:p>
         </p:txBody>
       </p:sp>
@@ -1605,9 +1606,9 @@
           <a:p>
             <a:fld id="{5A5E66E2-03CE-472E-AF84-2AAB41130A55}" type="datetimeFigureOut">
               <a:rPr lang="en-US" smtClean="0"/>
-              <a:t>11/13/2015</a:t>
+              <a:t>11/23/2015</a:t>
             </a:fld>
-            <a:endParaRPr lang="en-US"/>
+            <a:endParaRPr lang="en-US" dirty="0"/>
           </a:p>
         </p:txBody>
       </p:sp>
@@ -1626,7 +1627,7 @@
           <a:bodyPr/>
           <a:lstStyle/>
           <a:p>
-            <a:endParaRPr lang="en-US"/>
+            <a:endParaRPr lang="en-US" dirty="0"/>
           </a:p>
         </p:txBody>
       </p:sp>
@@ -1649,7 +1650,7 @@
               <a:rPr lang="en-US" smtClean="0"/>
               <a:t>‹#›</a:t>
             </a:fld>
-            <a:endParaRPr lang="en-US"/>
+            <a:endParaRPr lang="en-US" dirty="0"/>
           </a:p>
         </p:txBody>
       </p:sp>
@@ -1723,9 +1724,9 @@
           <a:p>
             <a:fld id="{5A5E66E2-03CE-472E-AF84-2AAB41130A55}" type="datetimeFigureOut">
               <a:rPr lang="en-US" smtClean="0"/>
-              <a:t>11/13/2015</a:t>
+              <a:t>11/23/2015</a:t>
             </a:fld>
-            <a:endParaRPr lang="en-US"/>
+            <a:endParaRPr lang="en-US" dirty="0"/>
           </a:p>
         </p:txBody>
       </p:sp>
@@ -1744,7 +1745,7 @@
           <a:bodyPr/>
           <a:lstStyle/>
           <a:p>
-            <a:endParaRPr lang="en-US"/>
+            <a:endParaRPr lang="en-US" dirty="0"/>
           </a:p>
         </p:txBody>
       </p:sp>
@@ -1767,7 +1768,7 @@
               <a:rPr lang="en-US" smtClean="0"/>
               <a:t>‹#›</a:t>
             </a:fld>
-            <a:endParaRPr lang="en-US"/>
+            <a:endParaRPr lang="en-US" dirty="0"/>
           </a:p>
         </p:txBody>
       </p:sp>
@@ -1818,9 +1819,9 @@
           <a:p>
             <a:fld id="{5A5E66E2-03CE-472E-AF84-2AAB41130A55}" type="datetimeFigureOut">
               <a:rPr lang="en-US" smtClean="0"/>
-              <a:t>11/13/2015</a:t>
+              <a:t>11/23/2015</a:t>
             </a:fld>
-            <a:endParaRPr lang="en-US"/>
+            <a:endParaRPr lang="en-US" dirty="0"/>
           </a:p>
         </p:txBody>
       </p:sp>
@@ -1839,7 +1840,7 @@
           <a:bodyPr/>
           <a:lstStyle/>
           <a:p>
-            <a:endParaRPr lang="en-US"/>
+            <a:endParaRPr lang="en-US" dirty="0"/>
           </a:p>
         </p:txBody>
       </p:sp>
@@ -1862,7 +1863,7 @@
               <a:rPr lang="en-US" smtClean="0"/>
               <a:t>‹#›</a:t>
             </a:fld>
-            <a:endParaRPr lang="en-US"/>
+            <a:endParaRPr lang="en-US" dirty="0"/>
           </a:p>
         </p:txBody>
       </p:sp>
@@ -2095,9 +2096,9 @@
           <a:p>
             <a:fld id="{5A5E66E2-03CE-472E-AF84-2AAB41130A55}" type="datetimeFigureOut">
               <a:rPr lang="en-US" smtClean="0"/>
-              <a:t>11/13/2015</a:t>
+              <a:t>11/23/2015</a:t>
             </a:fld>
-            <a:endParaRPr lang="en-US"/>
+            <a:endParaRPr lang="en-US" dirty="0"/>
           </a:p>
         </p:txBody>
       </p:sp>
@@ -2116,7 +2117,7 @@
           <a:bodyPr/>
           <a:lstStyle/>
           <a:p>
-            <a:endParaRPr lang="en-US"/>
+            <a:endParaRPr lang="en-US" dirty="0"/>
           </a:p>
         </p:txBody>
       </p:sp>
@@ -2139,7 +2140,7 @@
               <a:rPr lang="en-US" smtClean="0"/>
               <a:t>‹#›</a:t>
             </a:fld>
-            <a:endParaRPr lang="en-US"/>
+            <a:endParaRPr lang="en-US" dirty="0"/>
           </a:p>
         </p:txBody>
       </p:sp>
@@ -2262,7 +2263,7 @@
             </a:lvl9pPr>
           </a:lstStyle>
           <a:p>
-            <a:endParaRPr lang="en-US"/>
+            <a:endParaRPr lang="en-US" dirty="0"/>
           </a:p>
         </p:txBody>
       </p:sp>
@@ -2348,9 +2349,9 @@
           <a:p>
             <a:fld id="{5A5E66E2-03CE-472E-AF84-2AAB41130A55}" type="datetimeFigureOut">
               <a:rPr lang="en-US" smtClean="0"/>
-              <a:t>11/13/2015</a:t>
+              <a:t>11/23/2015</a:t>
             </a:fld>
-            <a:endParaRPr lang="en-US"/>
+            <a:endParaRPr lang="en-US" dirty="0"/>
           </a:p>
         </p:txBody>
       </p:sp>
@@ -2369,7 +2370,7 @@
           <a:bodyPr/>
           <a:lstStyle/>
           <a:p>
-            <a:endParaRPr lang="en-US"/>
+            <a:endParaRPr lang="en-US" dirty="0"/>
           </a:p>
         </p:txBody>
       </p:sp>
@@ -2392,7 +2393,7 @@
               <a:rPr lang="en-US" smtClean="0"/>
               <a:t>‹#›</a:t>
             </a:fld>
-            <a:endParaRPr lang="en-US"/>
+            <a:endParaRPr lang="en-US" dirty="0"/>
           </a:p>
         </p:txBody>
       </p:sp>
@@ -2561,9 +2562,9 @@
           <a:p>
             <a:fld id="{5A5E66E2-03CE-472E-AF84-2AAB41130A55}" type="datetimeFigureOut">
               <a:rPr lang="en-US" smtClean="0"/>
-              <a:t>11/13/2015</a:t>
+              <a:t>11/23/2015</a:t>
             </a:fld>
-            <a:endParaRPr lang="en-US"/>
+            <a:endParaRPr lang="en-US" dirty="0"/>
           </a:p>
         </p:txBody>
       </p:sp>
@@ -2600,7 +2601,7 @@
             </a:lvl1pPr>
           </a:lstStyle>
           <a:p>
-            <a:endParaRPr lang="en-US"/>
+            <a:endParaRPr lang="en-US" dirty="0"/>
           </a:p>
         </p:txBody>
       </p:sp>
@@ -2641,7 +2642,7 @@
               <a:rPr lang="en-US" smtClean="0"/>
               <a:t>‹#›</a:t>
             </a:fld>
-            <a:endParaRPr lang="en-US"/>
+            <a:endParaRPr lang="en-US" dirty="0"/>
           </a:p>
         </p:txBody>
       </p:sp>
@@ -2976,7 +2977,12 @@
             <p:ph type="ctrTitle"/>
           </p:nvPr>
         </p:nvSpPr>
-        <p:spPr/>
+        <p:spPr>
+          <a:xfrm>
+            <a:off x="1639910" y="900476"/>
+            <a:ext cx="9144000" cy="2387600"/>
+          </a:xfrm>
+        </p:spPr>
         <p:txBody>
           <a:bodyPr>
             <a:normAutofit fontScale="90000"/>
@@ -3030,7 +3036,35 @@
           <a:p>
             <a:r>
               <a:rPr lang="en-US" dirty="0" smtClean="0"/>
-              <a:t>Are solution is making a trash can that can say “I only take recyclables items like cardboard, plastic bottles, and paper.</a:t>
+              <a:t>A </a:t>
+            </a:r>
+            <a:r>
+              <a:rPr lang="en-US" dirty="0" smtClean="0"/>
+              <a:t>feature </a:t>
+            </a:r>
+            <a:r>
+              <a:rPr lang="en-US" dirty="0" smtClean="0"/>
+              <a:t>of our trash can is an </a:t>
+            </a:r>
+            <a:r>
+              <a:rPr lang="en-US" dirty="0" smtClean="0"/>
+              <a:t>ultrasonic sensor to </a:t>
+            </a:r>
+            <a:r>
+              <a:rPr lang="en-US" dirty="0" smtClean="0"/>
+              <a:t>detect</a:t>
+            </a:r>
+            <a:r>
+              <a:rPr lang="en-US" dirty="0" smtClean="0"/>
+              <a:t> </a:t>
+            </a:r>
+            <a:r>
+              <a:rPr lang="en-US" dirty="0" smtClean="0"/>
+              <a:t>if anybody is </a:t>
+            </a:r>
+            <a:r>
+              <a:rPr lang="en-US" dirty="0" smtClean="0"/>
+              <a:t>trying to approach to throw away trash so it can activate. </a:t>
             </a:r>
             <a:endParaRPr lang="en-US" dirty="0"/>
           </a:p>
@@ -3038,7 +3072,7 @@
       </p:sp>
       <p:pic>
         <p:nvPicPr>
-          <p:cNvPr id="1026" name="Picture 2" descr="http://ak1.ostkcdn.com/images/products/2495142/iTouchless-SX-Black-Automatic-Steel-Trash-Can-P10716665.jpg"/>
+          <p:cNvPr id="2050" name="Picture 2" descr="http://ecx.images-amazon.com/images/I/31UXGVpyafL._SY300_.jpg"/>
           <p:cNvPicPr>
             <a:picLocks noChangeAspect="1" noChangeArrowheads="1"/>
           </p:cNvPicPr>
@@ -3058,9 +3092,9 @@
           </a:stretch>
         </p:blipFill>
         <p:spPr bwMode="auto">
-          <a:xfrm>
-            <a:off x="4122268" y="2607970"/>
-            <a:ext cx="3231568" cy="3877882"/>
+          <a:xfrm flipH="1">
+            <a:off x="2104188" y="2530711"/>
+            <a:ext cx="1228725" cy="2857500"/>
           </a:xfrm>
           <a:prstGeom prst="rect">
             <a:avLst/>
@@ -3077,10 +3111,242 @@
           </a:extLst>
         </p:spPr>
       </p:pic>
+      <p:sp>
+        <p:nvSpPr>
+          <p:cNvPr id="5" name="AutoShape 6" descr="https://conceptdraw.com/a1799c3/p9/preview/256/pict--radio-waves-telecommunication-networks---vector-stencils-library.png--draw-diagram-flowchart-example.png"/>
+          <p:cNvSpPr>
+            <a:spLocks noChangeAspect="1" noChangeArrowheads="1"/>
+          </p:cNvSpPr>
+          <p:nvPr/>
+        </p:nvSpPr>
+        <p:spPr bwMode="auto">
+          <a:xfrm>
+            <a:off x="2126042" y="5035394"/>
+            <a:ext cx="304800" cy="304801"/>
+          </a:xfrm>
+          <a:prstGeom prst="rect">
+            <a:avLst/>
+          </a:prstGeom>
+          <a:noFill/>
+          <a:extLst>
+            <a:ext uri="{909E8E84-426E-40DD-AFC4-6F175D3DCCD1}">
+              <a14:hiddenFill xmlns:a14="http://schemas.microsoft.com/office/drawing/2010/main">
+                <a:solidFill>
+                  <a:srgbClr val="FFFFFF"/>
+                </a:solidFill>
+              </a14:hiddenFill>
+            </a:ext>
+          </a:extLst>
+        </p:spPr>
+        <p:txBody>
+          <a:bodyPr vert="horz" wrap="square" lIns="91440" tIns="45720" rIns="91440" bIns="45720" numCol="1" anchor="t" anchorCtr="0" compatLnSpc="1">
+            <a:prstTxWarp prst="textNoShape">
+              <a:avLst/>
+            </a:prstTxWarp>
+          </a:bodyPr>
+          <a:lstStyle/>
+          <a:p>
+            <a:endParaRPr lang="en-US" dirty="0"/>
+          </a:p>
+        </p:txBody>
+      </p:sp>
+      <p:sp>
+        <p:nvSpPr>
+          <p:cNvPr id="6" name="AutoShape 8" descr="https://conceptdraw.com/a1799c3/p9/preview/256/pict--radio-waves-telecommunication-networks---vector-stencils-library.png--draw-diagram-flowchart-example.png"/>
+          <p:cNvSpPr>
+            <a:spLocks noChangeAspect="1" noChangeArrowheads="1"/>
+          </p:cNvSpPr>
+          <p:nvPr/>
+        </p:nvSpPr>
+        <p:spPr bwMode="auto">
+          <a:xfrm>
+            <a:off x="2342836" y="4399476"/>
+            <a:ext cx="1881433" cy="1881439"/>
+          </a:xfrm>
+          <a:prstGeom prst="rect">
+            <a:avLst/>
+          </a:prstGeom>
+          <a:noFill/>
+          <a:extLst>
+            <a:ext uri="{909E8E84-426E-40DD-AFC4-6F175D3DCCD1}">
+              <a14:hiddenFill xmlns:a14="http://schemas.microsoft.com/office/drawing/2010/main">
+                <a:solidFill>
+                  <a:srgbClr val="FFFFFF"/>
+                </a:solidFill>
+              </a14:hiddenFill>
+            </a:ext>
+          </a:extLst>
+        </p:spPr>
+        <p:txBody>
+          <a:bodyPr vert="horz" wrap="square" lIns="91440" tIns="45720" rIns="91440" bIns="45720" numCol="1" anchor="t" anchorCtr="0" compatLnSpc="1">
+            <a:prstTxWarp prst="textNoShape">
+              <a:avLst/>
+            </a:prstTxWarp>
+          </a:bodyPr>
+          <a:lstStyle/>
+          <a:p>
+            <a:endParaRPr lang="en-US" dirty="0"/>
+          </a:p>
+        </p:txBody>
+      </p:sp>
+      <p:sp>
+        <p:nvSpPr>
+          <p:cNvPr id="7" name="AutoShape 10" descr="https://conceptdraw.com/a1799c3/p9/preview/256/pict--radio-waves-telecommunication-networks---vector-stencils-library.png--draw-diagram-flowchart-example.png"/>
+          <p:cNvSpPr>
+            <a:spLocks noChangeAspect="1" noChangeArrowheads="1"/>
+          </p:cNvSpPr>
+          <p:nvPr/>
+        </p:nvSpPr>
+        <p:spPr bwMode="auto">
+          <a:xfrm>
+            <a:off x="460375" y="160337"/>
+            <a:ext cx="304800" cy="304801"/>
+          </a:xfrm>
+          <a:prstGeom prst="rect">
+            <a:avLst/>
+          </a:prstGeom>
+          <a:noFill/>
+          <a:extLst>
+            <a:ext uri="{909E8E84-426E-40DD-AFC4-6F175D3DCCD1}">
+              <a14:hiddenFill xmlns:a14="http://schemas.microsoft.com/office/drawing/2010/main">
+                <a:solidFill>
+                  <a:srgbClr val="FFFFFF"/>
+                </a:solidFill>
+              </a14:hiddenFill>
+            </a:ext>
+          </a:extLst>
+        </p:spPr>
+        <p:txBody>
+          <a:bodyPr vert="horz" wrap="square" lIns="91440" tIns="45720" rIns="91440" bIns="45720" numCol="1" anchor="t" anchorCtr="0" compatLnSpc="1">
+            <a:prstTxWarp prst="textNoShape">
+              <a:avLst/>
+            </a:prstTxWarp>
+          </a:bodyPr>
+          <a:lstStyle/>
+          <a:p>
+            <a:endParaRPr lang="en-US" dirty="0"/>
+          </a:p>
+        </p:txBody>
+      </p:sp>
+      <p:sp>
+        <p:nvSpPr>
+          <p:cNvPr id="8" name="AutoShape 12" descr="https://conceptdraw.com/a1799c3/p9/preview/256/pict--radio-waves-telecommunication-networks---vector-stencils-library.png--draw-diagram-flowchart-example.png"/>
+          <p:cNvSpPr>
+            <a:spLocks noChangeAspect="1" noChangeArrowheads="1"/>
+          </p:cNvSpPr>
+          <p:nvPr/>
+        </p:nvSpPr>
+        <p:spPr bwMode="auto">
+          <a:xfrm>
+            <a:off x="307975" y="7937"/>
+            <a:ext cx="2190526" cy="2190533"/>
+          </a:xfrm>
+          <a:prstGeom prst="rect">
+            <a:avLst/>
+          </a:prstGeom>
+          <a:noFill/>
+          <a:extLst>
+            <a:ext uri="{909E8E84-426E-40DD-AFC4-6F175D3DCCD1}">
+              <a14:hiddenFill xmlns:a14="http://schemas.microsoft.com/office/drawing/2010/main">
+                <a:solidFill>
+                  <a:srgbClr val="FFFFFF"/>
+                </a:solidFill>
+              </a14:hiddenFill>
+            </a:ext>
+          </a:extLst>
+        </p:spPr>
+        <p:txBody>
+          <a:bodyPr vert="horz" wrap="square" lIns="91440" tIns="45720" rIns="91440" bIns="45720" numCol="1" anchor="t" anchorCtr="0" compatLnSpc="1">
+            <a:prstTxWarp prst="textNoShape">
+              <a:avLst/>
+            </a:prstTxWarp>
+          </a:bodyPr>
+          <a:lstStyle/>
+          <a:p>
+            <a:endParaRPr lang="en-US" dirty="0"/>
+          </a:p>
+        </p:txBody>
+      </p:sp>
+      <p:sp>
+        <p:nvSpPr>
+          <p:cNvPr id="9" name="AutoShape 16" descr="https://upload.wikimedia.org/wikipedia/commons/thumb/0/07/Sonar_Principle_EN.svg/2000px-Sonar_Principle_EN.svg.png"/>
+          <p:cNvSpPr>
+            <a:spLocks noChangeAspect="1" noChangeArrowheads="1"/>
+          </p:cNvSpPr>
+          <p:nvPr/>
+        </p:nvSpPr>
+        <p:spPr bwMode="auto">
+          <a:xfrm>
+            <a:off x="307975" y="7937"/>
+            <a:ext cx="304800" cy="304801"/>
+          </a:xfrm>
+          <a:prstGeom prst="rect">
+            <a:avLst/>
+          </a:prstGeom>
+          <a:noFill/>
+          <a:extLst>
+            <a:ext uri="{909E8E84-426E-40DD-AFC4-6F175D3DCCD1}">
+              <a14:hiddenFill xmlns:a14="http://schemas.microsoft.com/office/drawing/2010/main">
+                <a:solidFill>
+                  <a:srgbClr val="FFFFFF"/>
+                </a:solidFill>
+              </a14:hiddenFill>
+            </a:ext>
+          </a:extLst>
+        </p:spPr>
+        <p:txBody>
+          <a:bodyPr vert="horz" wrap="square" lIns="91440" tIns="45720" rIns="91440" bIns="45720" numCol="1" anchor="t" anchorCtr="0" compatLnSpc="1">
+            <a:prstTxWarp prst="textNoShape">
+              <a:avLst/>
+            </a:prstTxWarp>
+          </a:bodyPr>
+          <a:lstStyle/>
+          <a:p>
+            <a:endParaRPr lang="en-US" dirty="0"/>
+          </a:p>
+        </p:txBody>
+      </p:sp>
+      <p:pic>
+        <p:nvPicPr>
+          <p:cNvPr id="12" name="Picture 11"/>
+          <p:cNvPicPr>
+            <a:picLocks noChangeAspect="1"/>
+          </p:cNvPicPr>
+          <p:nvPr/>
+        </p:nvPicPr>
+        <p:blipFill>
+          <a:blip r:embed="rId3" cstate="print">
+            <a:extLst>
+              <a:ext uri="{28A0092B-C50C-407E-A947-70E740481C1C}">
+                <a14:useLocalDpi xmlns:a14="http://schemas.microsoft.com/office/drawing/2010/main" val="0"/>
+              </a:ext>
+            </a:extLst>
+          </a:blip>
+          <a:stretch>
+            <a:fillRect/>
+          </a:stretch>
+        </p:blipFill>
+        <p:spPr>
+          <a:xfrm>
+            <a:off x="3495213" y="2505086"/>
+            <a:ext cx="6977182" cy="3165690"/>
+          </a:xfrm>
+          <a:prstGeom prst="rect">
+            <a:avLst/>
+          </a:prstGeom>
+          <a:effectLst>
+            <a:outerShdw blurRad="50800" dist="50800" dir="5400000" algn="ctr" rotWithShape="0">
+              <a:srgbClr val="000000">
+                <a:alpha val="0"/>
+              </a:srgbClr>
+            </a:outerShdw>
+          </a:effectLst>
+        </p:spPr>
+      </p:pic>
     </p:spTree>
     <p:extLst>
       <p:ext uri="{BB962C8B-B14F-4D97-AF65-F5344CB8AC3E}">
-        <p14:creationId xmlns:p14="http://schemas.microsoft.com/office/powerpoint/2010/main" val="3376702346"/>
+        <p14:creationId xmlns:p14="http://schemas.microsoft.com/office/powerpoint/2010/main" val="2228551905"/>
       </p:ext>
     </p:extLst>
   </p:cSld>
@@ -3117,12 +3383,7 @@
             <p:ph type="ctrTitle"/>
           </p:nvPr>
         </p:nvSpPr>
-        <p:spPr>
-          <a:xfrm>
-            <a:off x="1639910" y="900476"/>
-            <a:ext cx="9144000" cy="2387600"/>
-          </a:xfrm>
-        </p:spPr>
+        <p:spPr/>
         <p:txBody>
           <a:bodyPr>
             <a:normAutofit fontScale="90000"/>
@@ -3176,7 +3437,27 @@
           <a:p>
             <a:r>
               <a:rPr lang="en-US" dirty="0" smtClean="0"/>
-              <a:t>Another feature is a ultrasonic sensor to see if anybody is near.it will also detect buildings if they are too close.   </a:t>
+              <a:t>Once the ultrasonic sensor </a:t>
+            </a:r>
+            <a:r>
+              <a:rPr lang="en-US" dirty="0" smtClean="0"/>
+              <a:t>is activated the</a:t>
+            </a:r>
+            <a:r>
+              <a:rPr lang="en-US" dirty="0" smtClean="0"/>
+              <a:t> trash </a:t>
+            </a:r>
+            <a:r>
+              <a:rPr lang="en-US" dirty="0" smtClean="0"/>
+              <a:t>can </a:t>
+            </a:r>
+            <a:r>
+              <a:rPr lang="en-US" dirty="0" smtClean="0"/>
+              <a:t>will say </a:t>
+            </a:r>
+            <a:r>
+              <a:rPr lang="en-US" dirty="0" smtClean="0"/>
+              <a:t>“I only take recyclables items like cardboard, plastic bottles, and paper.</a:t>
             </a:r>
             <a:endParaRPr lang="en-US" dirty="0"/>
           </a:p>
@@ -3184,7 +3465,7 @@
       </p:sp>
       <p:pic>
         <p:nvPicPr>
-          <p:cNvPr id="2050" name="Picture 2" descr="http://ecx.images-amazon.com/images/I/31UXGVpyafL._SY300_.jpg"/>
+          <p:cNvPr id="1026" name="Picture 2" descr="http://ak1.ostkcdn.com/images/products/2495142/iTouchless-SX-Black-Automatic-Steel-Trash-Can-P10716665.jpg"/>
           <p:cNvPicPr>
             <a:picLocks noChangeAspect="1" noChangeArrowheads="1"/>
           </p:cNvPicPr>
@@ -3204,9 +3485,9 @@
           </a:stretch>
         </p:blipFill>
         <p:spPr bwMode="auto">
-          <a:xfrm flipH="1">
-            <a:off x="2104188" y="2530711"/>
-            <a:ext cx="1228725" cy="2857500"/>
+          <a:xfrm>
+            <a:off x="4122268" y="2607970"/>
+            <a:ext cx="3231568" cy="3877882"/>
           </a:xfrm>
           <a:prstGeom prst="rect">
             <a:avLst/>
@@ -3223,242 +3504,10 @@
           </a:extLst>
         </p:spPr>
       </p:pic>
-      <p:sp>
-        <p:nvSpPr>
-          <p:cNvPr id="5" name="AutoShape 6" descr="https://conceptdraw.com/a1799c3/p9/preview/256/pict--radio-waves-telecommunication-networks---vector-stencils-library.png--draw-diagram-flowchart-example.png"/>
-          <p:cNvSpPr>
-            <a:spLocks noChangeAspect="1" noChangeArrowheads="1"/>
-          </p:cNvSpPr>
-          <p:nvPr/>
-        </p:nvSpPr>
-        <p:spPr bwMode="auto">
-          <a:xfrm>
-            <a:off x="2126042" y="5035394"/>
-            <a:ext cx="304800" cy="304801"/>
-          </a:xfrm>
-          <a:prstGeom prst="rect">
-            <a:avLst/>
-          </a:prstGeom>
-          <a:noFill/>
-          <a:extLst>
-            <a:ext uri="{909E8E84-426E-40DD-AFC4-6F175D3DCCD1}">
-              <a14:hiddenFill xmlns:a14="http://schemas.microsoft.com/office/drawing/2010/main">
-                <a:solidFill>
-                  <a:srgbClr val="FFFFFF"/>
-                </a:solidFill>
-              </a14:hiddenFill>
-            </a:ext>
-          </a:extLst>
-        </p:spPr>
-        <p:txBody>
-          <a:bodyPr vert="horz" wrap="square" lIns="91440" tIns="45720" rIns="91440" bIns="45720" numCol="1" anchor="t" anchorCtr="0" compatLnSpc="1">
-            <a:prstTxWarp prst="textNoShape">
-              <a:avLst/>
-            </a:prstTxWarp>
-          </a:bodyPr>
-          <a:lstStyle/>
-          <a:p>
-            <a:endParaRPr lang="en-US"/>
-          </a:p>
-        </p:txBody>
-      </p:sp>
-      <p:sp>
-        <p:nvSpPr>
-          <p:cNvPr id="6" name="AutoShape 8" descr="https://conceptdraw.com/a1799c3/p9/preview/256/pict--radio-waves-telecommunication-networks---vector-stencils-library.png--draw-diagram-flowchart-example.png"/>
-          <p:cNvSpPr>
-            <a:spLocks noChangeAspect="1" noChangeArrowheads="1"/>
-          </p:cNvSpPr>
-          <p:nvPr/>
-        </p:nvSpPr>
-        <p:spPr bwMode="auto">
-          <a:xfrm>
-            <a:off x="2342836" y="4399476"/>
-            <a:ext cx="1881433" cy="1881439"/>
-          </a:xfrm>
-          <a:prstGeom prst="rect">
-            <a:avLst/>
-          </a:prstGeom>
-          <a:noFill/>
-          <a:extLst>
-            <a:ext uri="{909E8E84-426E-40DD-AFC4-6F175D3DCCD1}">
-              <a14:hiddenFill xmlns:a14="http://schemas.microsoft.com/office/drawing/2010/main">
-                <a:solidFill>
-                  <a:srgbClr val="FFFFFF"/>
-                </a:solidFill>
-              </a14:hiddenFill>
-            </a:ext>
-          </a:extLst>
-        </p:spPr>
-        <p:txBody>
-          <a:bodyPr vert="horz" wrap="square" lIns="91440" tIns="45720" rIns="91440" bIns="45720" numCol="1" anchor="t" anchorCtr="0" compatLnSpc="1">
-            <a:prstTxWarp prst="textNoShape">
-              <a:avLst/>
-            </a:prstTxWarp>
-          </a:bodyPr>
-          <a:lstStyle/>
-          <a:p>
-            <a:endParaRPr lang="en-US"/>
-          </a:p>
-        </p:txBody>
-      </p:sp>
-      <p:sp>
-        <p:nvSpPr>
-          <p:cNvPr id="7" name="AutoShape 10" descr="https://conceptdraw.com/a1799c3/p9/preview/256/pict--radio-waves-telecommunication-networks---vector-stencils-library.png--draw-diagram-flowchart-example.png"/>
-          <p:cNvSpPr>
-            <a:spLocks noChangeAspect="1" noChangeArrowheads="1"/>
-          </p:cNvSpPr>
-          <p:nvPr/>
-        </p:nvSpPr>
-        <p:spPr bwMode="auto">
-          <a:xfrm>
-            <a:off x="460375" y="160337"/>
-            <a:ext cx="304800" cy="304801"/>
-          </a:xfrm>
-          <a:prstGeom prst="rect">
-            <a:avLst/>
-          </a:prstGeom>
-          <a:noFill/>
-          <a:extLst>
-            <a:ext uri="{909E8E84-426E-40DD-AFC4-6F175D3DCCD1}">
-              <a14:hiddenFill xmlns:a14="http://schemas.microsoft.com/office/drawing/2010/main">
-                <a:solidFill>
-                  <a:srgbClr val="FFFFFF"/>
-                </a:solidFill>
-              </a14:hiddenFill>
-            </a:ext>
-          </a:extLst>
-        </p:spPr>
-        <p:txBody>
-          <a:bodyPr vert="horz" wrap="square" lIns="91440" tIns="45720" rIns="91440" bIns="45720" numCol="1" anchor="t" anchorCtr="0" compatLnSpc="1">
-            <a:prstTxWarp prst="textNoShape">
-              <a:avLst/>
-            </a:prstTxWarp>
-          </a:bodyPr>
-          <a:lstStyle/>
-          <a:p>
-            <a:endParaRPr lang="en-US"/>
-          </a:p>
-        </p:txBody>
-      </p:sp>
-      <p:sp>
-        <p:nvSpPr>
-          <p:cNvPr id="8" name="AutoShape 12" descr="https://conceptdraw.com/a1799c3/p9/preview/256/pict--radio-waves-telecommunication-networks---vector-stencils-library.png--draw-diagram-flowchart-example.png"/>
-          <p:cNvSpPr>
-            <a:spLocks noChangeAspect="1" noChangeArrowheads="1"/>
-          </p:cNvSpPr>
-          <p:nvPr/>
-        </p:nvSpPr>
-        <p:spPr bwMode="auto">
-          <a:xfrm>
-            <a:off x="307975" y="7937"/>
-            <a:ext cx="2190526" cy="2190533"/>
-          </a:xfrm>
-          <a:prstGeom prst="rect">
-            <a:avLst/>
-          </a:prstGeom>
-          <a:noFill/>
-          <a:extLst>
-            <a:ext uri="{909E8E84-426E-40DD-AFC4-6F175D3DCCD1}">
-              <a14:hiddenFill xmlns:a14="http://schemas.microsoft.com/office/drawing/2010/main">
-                <a:solidFill>
-                  <a:srgbClr val="FFFFFF"/>
-                </a:solidFill>
-              </a14:hiddenFill>
-            </a:ext>
-          </a:extLst>
-        </p:spPr>
-        <p:txBody>
-          <a:bodyPr vert="horz" wrap="square" lIns="91440" tIns="45720" rIns="91440" bIns="45720" numCol="1" anchor="t" anchorCtr="0" compatLnSpc="1">
-            <a:prstTxWarp prst="textNoShape">
-              <a:avLst/>
-            </a:prstTxWarp>
-          </a:bodyPr>
-          <a:lstStyle/>
-          <a:p>
-            <a:endParaRPr lang="en-US"/>
-          </a:p>
-        </p:txBody>
-      </p:sp>
-      <p:sp>
-        <p:nvSpPr>
-          <p:cNvPr id="9" name="AutoShape 16" descr="https://upload.wikimedia.org/wikipedia/commons/thumb/0/07/Sonar_Principle_EN.svg/2000px-Sonar_Principle_EN.svg.png"/>
-          <p:cNvSpPr>
-            <a:spLocks noChangeAspect="1" noChangeArrowheads="1"/>
-          </p:cNvSpPr>
-          <p:nvPr/>
-        </p:nvSpPr>
-        <p:spPr bwMode="auto">
-          <a:xfrm>
-            <a:off x="307975" y="7937"/>
-            <a:ext cx="304800" cy="304801"/>
-          </a:xfrm>
-          <a:prstGeom prst="rect">
-            <a:avLst/>
-          </a:prstGeom>
-          <a:noFill/>
-          <a:extLst>
-            <a:ext uri="{909E8E84-426E-40DD-AFC4-6F175D3DCCD1}">
-              <a14:hiddenFill xmlns:a14="http://schemas.microsoft.com/office/drawing/2010/main">
-                <a:solidFill>
-                  <a:srgbClr val="FFFFFF"/>
-                </a:solidFill>
-              </a14:hiddenFill>
-            </a:ext>
-          </a:extLst>
-        </p:spPr>
-        <p:txBody>
-          <a:bodyPr vert="horz" wrap="square" lIns="91440" tIns="45720" rIns="91440" bIns="45720" numCol="1" anchor="t" anchorCtr="0" compatLnSpc="1">
-            <a:prstTxWarp prst="textNoShape">
-              <a:avLst/>
-            </a:prstTxWarp>
-          </a:bodyPr>
-          <a:lstStyle/>
-          <a:p>
-            <a:endParaRPr lang="en-US"/>
-          </a:p>
-        </p:txBody>
-      </p:sp>
-      <p:pic>
-        <p:nvPicPr>
-          <p:cNvPr id="12" name="Picture 11"/>
-          <p:cNvPicPr>
-            <a:picLocks noChangeAspect="1"/>
-          </p:cNvPicPr>
-          <p:nvPr/>
-        </p:nvPicPr>
-        <p:blipFill>
-          <a:blip r:embed="rId3" cstate="print">
-            <a:extLst>
-              <a:ext uri="{28A0092B-C50C-407E-A947-70E740481C1C}">
-                <a14:useLocalDpi xmlns:a14="http://schemas.microsoft.com/office/drawing/2010/main" val="0"/>
-              </a:ext>
-            </a:extLst>
-          </a:blip>
-          <a:stretch>
-            <a:fillRect/>
-          </a:stretch>
-        </p:blipFill>
-        <p:spPr>
-          <a:xfrm>
-            <a:off x="3495213" y="2505086"/>
-            <a:ext cx="6977182" cy="3165690"/>
-          </a:xfrm>
-          <a:prstGeom prst="rect">
-            <a:avLst/>
-          </a:prstGeom>
-          <a:effectLst>
-            <a:outerShdw blurRad="50800" dist="50800" dir="5400000" algn="ctr" rotWithShape="0">
-              <a:srgbClr val="000000">
-                <a:alpha val="0"/>
-              </a:srgbClr>
-            </a:outerShdw>
-          </a:effectLst>
-        </p:spPr>
-      </p:pic>
     </p:spTree>
     <p:extLst>
       <p:ext uri="{BB962C8B-B14F-4D97-AF65-F5344CB8AC3E}">
-        <p14:creationId xmlns:p14="http://schemas.microsoft.com/office/powerpoint/2010/main" val="2228551905"/>
+        <p14:creationId xmlns:p14="http://schemas.microsoft.com/office/powerpoint/2010/main" val="3376702346"/>
       </p:ext>
     </p:extLst>
   </p:cSld>
@@ -3554,7 +3603,27 @@
           <a:p>
             <a:r>
               <a:rPr lang="en-US" dirty="0" smtClean="0"/>
-              <a:t>There also is going to be a sign for deaf people that has pictures of recyclable examples like this:</a:t>
+              <a:t>There </a:t>
+            </a:r>
+            <a:r>
+              <a:rPr lang="en-US" dirty="0" smtClean="0"/>
+              <a:t>is also a </a:t>
+            </a:r>
+            <a:r>
+              <a:rPr lang="en-US" dirty="0" smtClean="0"/>
+              <a:t>sign for </a:t>
+            </a:r>
+            <a:r>
+              <a:rPr lang="en-US" dirty="0" smtClean="0"/>
+              <a:t>people with hearing problems </a:t>
+            </a:r>
+            <a:r>
+              <a:rPr lang="en-US" dirty="0" smtClean="0"/>
+              <a:t>that has pictures of recyclable </a:t>
+            </a:r>
+            <a:r>
+              <a:rPr lang="en-US" dirty="0" smtClean="0"/>
+              <a:t>examples</a:t>
             </a:r>
             <a:endParaRPr lang="en-US" dirty="0"/>
           </a:p>
@@ -3595,7 +3664,7 @@
           </a:bodyPr>
           <a:lstStyle/>
           <a:p>
-            <a:endParaRPr lang="en-US"/>
+            <a:endParaRPr lang="en-US" dirty="0"/>
           </a:p>
         </p:txBody>
       </p:sp>
@@ -3634,7 +3703,7 @@
           </a:bodyPr>
           <a:lstStyle/>
           <a:p>
-            <a:endParaRPr lang="en-US"/>
+            <a:endParaRPr lang="en-US" dirty="0"/>
           </a:p>
         </p:txBody>
       </p:sp>
@@ -3672,6 +3741,204 @@
     <p:extLst>
       <p:ext uri="{BB962C8B-B14F-4D97-AF65-F5344CB8AC3E}">
         <p14:creationId xmlns:p14="http://schemas.microsoft.com/office/powerpoint/2010/main" val="628409100"/>
+      </p:ext>
+    </p:extLst>
+  </p:cSld>
+  <p:clrMapOvr>
+    <a:masterClrMapping/>
+  </p:clrMapOvr>
+</p:sld>
+</file>
+
+<file path=ppt/slides/slide4.xml><?xml version="1.0" encoding="utf-8"?>
+<p:sld xmlns:a="http://schemas.openxmlformats.org/drawingml/2006/main" xmlns:r="http://schemas.openxmlformats.org/officeDocument/2006/relationships" xmlns:p="http://schemas.openxmlformats.org/presentationml/2006/main">
+  <p:cSld>
+    <p:spTree>
+      <p:nvGrpSpPr>
+        <p:cNvPr id="1" name=""/>
+        <p:cNvGrpSpPr/>
+        <p:nvPr/>
+      </p:nvGrpSpPr>
+      <p:grpSpPr>
+        <a:xfrm>
+          <a:off x="0" y="0"/>
+          <a:ext cx="0" cy="0"/>
+          <a:chOff x="0" y="0"/>
+          <a:chExt cx="0" cy="0"/>
+        </a:xfrm>
+      </p:grpSpPr>
+      <p:sp>
+        <p:nvSpPr>
+          <p:cNvPr id="2" name="Title 1"/>
+          <p:cNvSpPr>
+            <a:spLocks noGrp="1"/>
+          </p:cNvSpPr>
+          <p:nvPr>
+            <p:ph type="ctrTitle"/>
+          </p:nvPr>
+        </p:nvSpPr>
+        <p:spPr>
+          <a:xfrm>
+            <a:off x="1292180" y="647878"/>
+            <a:ext cx="9144000" cy="2387600"/>
+          </a:xfrm>
+        </p:spPr>
+        <p:txBody>
+          <a:bodyPr>
+            <a:normAutofit fontScale="90000"/>
+          </a:bodyPr>
+          <a:lstStyle/>
+          <a:p>
+            <a:r>
+              <a:rPr lang="en-US" dirty="0" smtClean="0"/>
+              <a:t>Solution</a:t>
+            </a:r>
+            <a:br>
+              <a:rPr lang="en-US" dirty="0" smtClean="0"/>
+            </a:br>
+            <a:r>
+              <a:rPr lang="en-US" dirty="0"/>
+              <a:t/>
+            </a:r>
+            <a:br>
+              <a:rPr lang="en-US" dirty="0"/>
+            </a:br>
+            <a:r>
+              <a:rPr lang="en-US" dirty="0" smtClean="0"/>
+              <a:t/>
+            </a:r>
+            <a:br>
+              <a:rPr lang="en-US" dirty="0" smtClean="0"/>
+            </a:br>
+            <a:endParaRPr lang="en-US" dirty="0"/>
+          </a:p>
+        </p:txBody>
+      </p:sp>
+      <p:sp>
+        <p:nvSpPr>
+          <p:cNvPr id="3" name="Subtitle 2"/>
+          <p:cNvSpPr>
+            <a:spLocks noGrp="1"/>
+          </p:cNvSpPr>
+          <p:nvPr>
+            <p:ph type="subTitle" idx="1"/>
+          </p:nvPr>
+        </p:nvSpPr>
+        <p:spPr>
+          <a:xfrm>
+            <a:off x="1446727" y="875762"/>
+            <a:ext cx="9144000" cy="1931831"/>
+          </a:xfrm>
+        </p:spPr>
+        <p:txBody>
+          <a:bodyPr/>
+          <a:lstStyle/>
+          <a:p>
+            <a:r>
+              <a:rPr lang="en-US" dirty="0" smtClean="0"/>
+              <a:t>What all this is ,is trying to change people behaver so people will form a habit for appropriate</a:t>
+            </a:r>
+            <a:r>
+              <a:rPr lang="en-US" dirty="0" smtClean="0"/>
+              <a:t> </a:t>
+            </a:r>
+            <a:r>
+              <a:rPr lang="en-US" dirty="0" smtClean="0"/>
+              <a:t>recycling. This habit helps the earth and ourselves. we should treat it as </a:t>
+            </a:r>
+            <a:r>
+              <a:rPr lang="en-US" smtClean="0"/>
+              <a:t>important as eating</a:t>
+            </a:r>
+            <a:r>
+              <a:rPr lang="en-US" dirty="0" smtClean="0"/>
+              <a:t>.</a:t>
+            </a:r>
+          </a:p>
+        </p:txBody>
+      </p:sp>
+      <p:sp>
+        <p:nvSpPr>
+          <p:cNvPr id="4" name="AutoShape 2" descr="https://www.mwatoday.com/webres/Image/news/02-feb/Group-without-background---small.png"/>
+          <p:cNvSpPr>
+            <a:spLocks noChangeAspect="1" noChangeArrowheads="1"/>
+          </p:cNvSpPr>
+          <p:nvPr/>
+        </p:nvSpPr>
+        <p:spPr bwMode="auto">
+          <a:xfrm>
+            <a:off x="155575" y="-144463"/>
+            <a:ext cx="304800" cy="304801"/>
+          </a:xfrm>
+          <a:prstGeom prst="rect">
+            <a:avLst/>
+          </a:prstGeom>
+          <a:noFill/>
+          <a:extLst>
+            <a:ext uri="{909E8E84-426E-40DD-AFC4-6F175D3DCCD1}">
+              <a14:hiddenFill xmlns:a14="http://schemas.microsoft.com/office/drawing/2010/main">
+                <a:solidFill>
+                  <a:srgbClr val="FFFFFF"/>
+                </a:solidFill>
+              </a14:hiddenFill>
+            </a:ext>
+          </a:extLst>
+        </p:spPr>
+        <p:txBody>
+          <a:bodyPr vert="horz" wrap="square" lIns="91440" tIns="45720" rIns="91440" bIns="45720" numCol="1" anchor="t" anchorCtr="0" compatLnSpc="1">
+            <a:prstTxWarp prst="textNoShape">
+              <a:avLst/>
+            </a:prstTxWarp>
+          </a:bodyPr>
+          <a:lstStyle/>
+          <a:p>
+            <a:endParaRPr lang="en-US" dirty="0"/>
+          </a:p>
+        </p:txBody>
+      </p:sp>
+      <p:sp>
+        <p:nvSpPr>
+          <p:cNvPr id="5" name="AutoShape 4" descr="https://www.mwatoday.com/webres/Image/news/02-feb/Group-without-background---small.png"/>
+          <p:cNvSpPr>
+            <a:spLocks noChangeAspect="1" noChangeArrowheads="1"/>
+          </p:cNvSpPr>
+          <p:nvPr/>
+        </p:nvSpPr>
+        <p:spPr bwMode="auto">
+          <a:xfrm>
+            <a:off x="307975" y="7937"/>
+            <a:ext cx="304800" cy="304801"/>
+          </a:xfrm>
+          <a:prstGeom prst="rect">
+            <a:avLst/>
+          </a:prstGeom>
+          <a:noFill/>
+          <a:extLst>
+            <a:ext uri="{909E8E84-426E-40DD-AFC4-6F175D3DCCD1}">
+              <a14:hiddenFill xmlns:a14="http://schemas.microsoft.com/office/drawing/2010/main">
+                <a:solidFill>
+                  <a:srgbClr val="FFFFFF"/>
+                </a:solidFill>
+              </a14:hiddenFill>
+            </a:ext>
+          </a:extLst>
+        </p:spPr>
+        <p:txBody>
+          <a:bodyPr vert="horz" wrap="square" lIns="91440" tIns="45720" rIns="91440" bIns="45720" numCol="1" anchor="t" anchorCtr="0" compatLnSpc="1">
+            <a:prstTxWarp prst="textNoShape">
+              <a:avLst/>
+            </a:prstTxWarp>
+          </a:bodyPr>
+          <a:lstStyle/>
+          <a:p>
+            <a:endParaRPr lang="en-US" dirty="0"/>
+          </a:p>
+        </p:txBody>
+      </p:sp>
+    </p:spTree>
+    <p:extLst>
+      <p:ext uri="{BB962C8B-B14F-4D97-AF65-F5344CB8AC3E}">
+        <p14:creationId xmlns:p14="http://schemas.microsoft.com/office/powerpoint/2010/main" val="3876708681"/>
       </p:ext>
     </p:extLst>
   </p:cSld>
@@ -3936,7 +4203,7 @@
   <a:extraClrSchemeLst/>
   <a:extLst>
     <a:ext uri="{05A4C25C-085E-4340-85A3-A5531E510DB2}">
-      <thm15:themeFamily xmlns:thm15="http://schemas.microsoft.com/office/thememl/2012/main" name="Office Theme" id="{62F939B6-93AF-4DB8-9C6B-D6C7DFDC589F}" vid="{4A3C46E8-61CC-4603-A589-7422A47A8E4A}"/>
+      <thm15:themeFamily xmlns="" xmlns:thm15="http://schemas.microsoft.com/office/thememl/2012/main" name="Office Theme" id="{62F939B6-93AF-4DB8-9C6B-D6C7DFDC589F}" vid="{4A3C46E8-61CC-4603-A589-7422A47A8E4A}"/>
     </a:ext>
   </a:extLst>
 </a:theme>
